--- a/WEBSITE-LAYOUT/WEBSITE_LAYOUT.pptx
+++ b/WEBSITE-LAYOUT/WEBSITE_LAYOUT.pptx
@@ -109,7 +109,49 @@
       </a:defRPr>
     </a:lvl9pPr>
   </p:defaultTextStyle>
+  <p:extLst>
+    <p:ext uri="{EFAFB233-063F-42B5-8137-9DF3F51BA10A}">
+      <p15:sldGuideLst xmlns:p15="http://schemas.microsoft.com/office/powerpoint/2012/main"/>
+    </p:ext>
+  </p:extLst>
 </p:presentation>
+</file>
+
+<file path=ppt/changesInfos/changesInfo1.xml><?xml version="1.0" encoding="utf-8"?>
+<pc:chgInfo xmlns:a="http://schemas.openxmlformats.org/drawingml/2006/main" xmlns:r="http://schemas.openxmlformats.org/officeDocument/2006/relationships" xmlns:ac="http://schemas.microsoft.com/office/drawing/2013/main/command" xmlns:pc="http://schemas.microsoft.com/office/powerpoint/2013/main/command">
+  <pc:docChgLst>
+    <pc:chgData name="naveenbhuvnesh@outlook.com" userId="de83c12619070ded" providerId="LiveId" clId="{337F31B7-157F-41DA-84A1-F0AB36554504}"/>
+    <pc:docChg chg="modSld">
+      <pc:chgData name="naveenbhuvnesh@outlook.com" userId="de83c12619070ded" providerId="LiveId" clId="{337F31B7-157F-41DA-84A1-F0AB36554504}" dt="2024-12-06T07:35:53.678" v="2" actId="1076"/>
+      <pc:docMkLst>
+        <pc:docMk/>
+      </pc:docMkLst>
+      <pc:sldChg chg="modSp mod">
+        <pc:chgData name="naveenbhuvnesh@outlook.com" userId="de83c12619070ded" providerId="LiveId" clId="{337F31B7-157F-41DA-84A1-F0AB36554504}" dt="2024-12-06T07:35:53.678" v="2" actId="1076"/>
+        <pc:sldMkLst>
+          <pc:docMk/>
+          <pc:sldMk cId="190738750" sldId="262"/>
+        </pc:sldMkLst>
+        <pc:spChg chg="mod">
+          <ac:chgData name="naveenbhuvnesh@outlook.com" userId="de83c12619070ded" providerId="LiveId" clId="{337F31B7-157F-41DA-84A1-F0AB36554504}" dt="2024-12-06T07:35:53.678" v="2" actId="1076"/>
+          <ac:spMkLst>
+            <pc:docMk/>
+            <pc:sldMk cId="190738750" sldId="262"/>
+            <ac:spMk id="8" creationId="{6F07FC11-8298-3134-9F40-0DDFF98557BC}"/>
+          </ac:spMkLst>
+        </pc:spChg>
+        <pc:grpChg chg="mod">
+          <ac:chgData name="naveenbhuvnesh@outlook.com" userId="de83c12619070ded" providerId="LiveId" clId="{337F31B7-157F-41DA-84A1-F0AB36554504}" dt="2024-12-06T07:34:55.258" v="0" actId="1076"/>
+          <ac:grpSpMkLst>
+            <pc:docMk/>
+            <pc:sldMk cId="190738750" sldId="262"/>
+            <ac:grpSpMk id="2" creationId="{C008BEEC-E9B7-8D90-5AD8-8B8422F9182B}"/>
+          </ac:grpSpMkLst>
+        </pc:grpChg>
+      </pc:sldChg>
+    </pc:docChg>
+  </pc:docChgLst>
+</pc:chgInfo>
 </file>
 
 <file path=ppt/slideLayouts/slideLayout1.xml><?xml version="1.0" encoding="utf-8"?>
@@ -261,7 +303,7 @@
           <a:p>
             <a:fld id="{C6B64027-544B-4269-95A4-66DE2344B7A5}" type="datetimeFigureOut">
               <a:rPr lang="en-IN" smtClean="0"/>
-              <a:t>03-12-2024</a:t>
+              <a:t>04-12-2024</a:t>
             </a:fld>
             <a:endParaRPr lang="en-IN"/>
           </a:p>
@@ -461,7 +503,7 @@
           <a:p>
             <a:fld id="{C6B64027-544B-4269-95A4-66DE2344B7A5}" type="datetimeFigureOut">
               <a:rPr lang="en-IN" smtClean="0"/>
-              <a:t>03-12-2024</a:t>
+              <a:t>04-12-2024</a:t>
             </a:fld>
             <a:endParaRPr lang="en-IN"/>
           </a:p>
@@ -671,7 +713,7 @@
           <a:p>
             <a:fld id="{C6B64027-544B-4269-95A4-66DE2344B7A5}" type="datetimeFigureOut">
               <a:rPr lang="en-IN" smtClean="0"/>
-              <a:t>03-12-2024</a:t>
+              <a:t>04-12-2024</a:t>
             </a:fld>
             <a:endParaRPr lang="en-IN"/>
           </a:p>
@@ -871,7 +913,7 @@
           <a:p>
             <a:fld id="{C6B64027-544B-4269-95A4-66DE2344B7A5}" type="datetimeFigureOut">
               <a:rPr lang="en-IN" smtClean="0"/>
-              <a:t>03-12-2024</a:t>
+              <a:t>04-12-2024</a:t>
             </a:fld>
             <a:endParaRPr lang="en-IN"/>
           </a:p>
@@ -1147,7 +1189,7 @@
           <a:p>
             <a:fld id="{C6B64027-544B-4269-95A4-66DE2344B7A5}" type="datetimeFigureOut">
               <a:rPr lang="en-IN" smtClean="0"/>
-              <a:t>03-12-2024</a:t>
+              <a:t>04-12-2024</a:t>
             </a:fld>
             <a:endParaRPr lang="en-IN"/>
           </a:p>
@@ -1415,7 +1457,7 @@
           <a:p>
             <a:fld id="{C6B64027-544B-4269-95A4-66DE2344B7A5}" type="datetimeFigureOut">
               <a:rPr lang="en-IN" smtClean="0"/>
-              <a:t>03-12-2024</a:t>
+              <a:t>04-12-2024</a:t>
             </a:fld>
             <a:endParaRPr lang="en-IN"/>
           </a:p>
@@ -1830,7 +1872,7 @@
           <a:p>
             <a:fld id="{C6B64027-544B-4269-95A4-66DE2344B7A5}" type="datetimeFigureOut">
               <a:rPr lang="en-IN" smtClean="0"/>
-              <a:t>03-12-2024</a:t>
+              <a:t>04-12-2024</a:t>
             </a:fld>
             <a:endParaRPr lang="en-IN"/>
           </a:p>
@@ -1972,7 +2014,7 @@
           <a:p>
             <a:fld id="{C6B64027-544B-4269-95A4-66DE2344B7A5}" type="datetimeFigureOut">
               <a:rPr lang="en-IN" smtClean="0"/>
-              <a:t>03-12-2024</a:t>
+              <a:t>04-12-2024</a:t>
             </a:fld>
             <a:endParaRPr lang="en-IN"/>
           </a:p>
@@ -2085,7 +2127,7 @@
           <a:p>
             <a:fld id="{C6B64027-544B-4269-95A4-66DE2344B7A5}" type="datetimeFigureOut">
               <a:rPr lang="en-IN" smtClean="0"/>
-              <a:t>03-12-2024</a:t>
+              <a:t>04-12-2024</a:t>
             </a:fld>
             <a:endParaRPr lang="en-IN"/>
           </a:p>
@@ -2398,7 +2440,7 @@
           <a:p>
             <a:fld id="{C6B64027-544B-4269-95A4-66DE2344B7A5}" type="datetimeFigureOut">
               <a:rPr lang="en-IN" smtClean="0"/>
-              <a:t>03-12-2024</a:t>
+              <a:t>04-12-2024</a:t>
             </a:fld>
             <a:endParaRPr lang="en-IN"/>
           </a:p>
@@ -2687,7 +2729,7 @@
           <a:p>
             <a:fld id="{C6B64027-544B-4269-95A4-66DE2344B7A5}" type="datetimeFigureOut">
               <a:rPr lang="en-IN" smtClean="0"/>
-              <a:t>03-12-2024</a:t>
+              <a:t>04-12-2024</a:t>
             </a:fld>
             <a:endParaRPr lang="en-IN"/>
           </a:p>
@@ -2930,7 +2972,7 @@
           <a:p>
             <a:fld id="{C6B64027-544B-4269-95A4-66DE2344B7A5}" type="datetimeFigureOut">
               <a:rPr lang="en-IN" smtClean="0"/>
-              <a:t>03-12-2024</a:t>
+              <a:t>04-12-2024</a:t>
             </a:fld>
             <a:endParaRPr lang="en-IN"/>
           </a:p>
@@ -10020,10 +10062,10 @@
         </p:nvGrpSpPr>
         <p:grpSpPr>
           <a:xfrm>
-            <a:off x="108155" y="88490"/>
-            <a:ext cx="11975690" cy="1306165"/>
+            <a:off x="108155" y="0"/>
+            <a:ext cx="11975690" cy="1330556"/>
             <a:chOff x="108155" y="88490"/>
-            <a:chExt cx="11975690" cy="1306165"/>
+            <a:chExt cx="11975690" cy="1330556"/>
           </a:xfrm>
         </p:grpSpPr>
         <p:sp>
@@ -10229,7 +10271,7 @@
           </p:nvSpPr>
           <p:spPr>
             <a:xfrm>
-              <a:off x="8571269" y="1022759"/>
+              <a:off x="8613054" y="1049714"/>
               <a:ext cx="1081549" cy="369332"/>
             </a:xfrm>
             <a:prstGeom prst="rect">

--- a/WEBSITE-LAYOUT/WEBSITE_LAYOUT.pptx
+++ b/WEBSITE-LAYOUT/WEBSITE_LAYOUT.pptx
@@ -11,6 +11,7 @@
     <p:sldId id="260" r:id="rId5"/>
     <p:sldId id="261" r:id="rId6"/>
     <p:sldId id="262" r:id="rId7"/>
+    <p:sldId id="263" r:id="rId8"/>
   </p:sldIdLst>
   <p:sldSz cx="12192000" cy="6858000"/>
   <p:notesSz cx="6858000" cy="9144000"/>
@@ -109,6 +110,11 @@
       </a:defRPr>
     </a:lvl9pPr>
   </p:defaultTextStyle>
+  <p:extLst>
+    <p:ext uri="{EFAFB233-063F-42B5-8137-9DF3F51BA10A}">
+      <p15:sldGuideLst xmlns:p15="http://schemas.microsoft.com/office/powerpoint/2012/main"/>
+    </p:ext>
+  </p:extLst>
 </p:presentation>
 </file>
 
@@ -261,7 +267,7 @@
           <a:p>
             <a:fld id="{C6B64027-544B-4269-95A4-66DE2344B7A5}" type="datetimeFigureOut">
               <a:rPr lang="en-IN" smtClean="0"/>
-              <a:t>03-12-2024</a:t>
+              <a:t>07-12-2024</a:t>
             </a:fld>
             <a:endParaRPr lang="en-IN"/>
           </a:p>
@@ -461,7 +467,7 @@
           <a:p>
             <a:fld id="{C6B64027-544B-4269-95A4-66DE2344B7A5}" type="datetimeFigureOut">
               <a:rPr lang="en-IN" smtClean="0"/>
-              <a:t>03-12-2024</a:t>
+              <a:t>07-12-2024</a:t>
             </a:fld>
             <a:endParaRPr lang="en-IN"/>
           </a:p>
@@ -671,7 +677,7 @@
           <a:p>
             <a:fld id="{C6B64027-544B-4269-95A4-66DE2344B7A5}" type="datetimeFigureOut">
               <a:rPr lang="en-IN" smtClean="0"/>
-              <a:t>03-12-2024</a:t>
+              <a:t>07-12-2024</a:t>
             </a:fld>
             <a:endParaRPr lang="en-IN"/>
           </a:p>
@@ -871,7 +877,7 @@
           <a:p>
             <a:fld id="{C6B64027-544B-4269-95A4-66DE2344B7A5}" type="datetimeFigureOut">
               <a:rPr lang="en-IN" smtClean="0"/>
-              <a:t>03-12-2024</a:t>
+              <a:t>07-12-2024</a:t>
             </a:fld>
             <a:endParaRPr lang="en-IN"/>
           </a:p>
@@ -1147,7 +1153,7 @@
           <a:p>
             <a:fld id="{C6B64027-544B-4269-95A4-66DE2344B7A5}" type="datetimeFigureOut">
               <a:rPr lang="en-IN" smtClean="0"/>
-              <a:t>03-12-2024</a:t>
+              <a:t>07-12-2024</a:t>
             </a:fld>
             <a:endParaRPr lang="en-IN"/>
           </a:p>
@@ -1415,7 +1421,7 @@
           <a:p>
             <a:fld id="{C6B64027-544B-4269-95A4-66DE2344B7A5}" type="datetimeFigureOut">
               <a:rPr lang="en-IN" smtClean="0"/>
-              <a:t>03-12-2024</a:t>
+              <a:t>07-12-2024</a:t>
             </a:fld>
             <a:endParaRPr lang="en-IN"/>
           </a:p>
@@ -1830,7 +1836,7 @@
           <a:p>
             <a:fld id="{C6B64027-544B-4269-95A4-66DE2344B7A5}" type="datetimeFigureOut">
               <a:rPr lang="en-IN" smtClean="0"/>
-              <a:t>03-12-2024</a:t>
+              <a:t>07-12-2024</a:t>
             </a:fld>
             <a:endParaRPr lang="en-IN"/>
           </a:p>
@@ -1972,7 +1978,7 @@
           <a:p>
             <a:fld id="{C6B64027-544B-4269-95A4-66DE2344B7A5}" type="datetimeFigureOut">
               <a:rPr lang="en-IN" smtClean="0"/>
-              <a:t>03-12-2024</a:t>
+              <a:t>07-12-2024</a:t>
             </a:fld>
             <a:endParaRPr lang="en-IN"/>
           </a:p>
@@ -2085,7 +2091,7 @@
           <a:p>
             <a:fld id="{C6B64027-544B-4269-95A4-66DE2344B7A5}" type="datetimeFigureOut">
               <a:rPr lang="en-IN" smtClean="0"/>
-              <a:t>03-12-2024</a:t>
+              <a:t>07-12-2024</a:t>
             </a:fld>
             <a:endParaRPr lang="en-IN"/>
           </a:p>
@@ -2398,7 +2404,7 @@
           <a:p>
             <a:fld id="{C6B64027-544B-4269-95A4-66DE2344B7A5}" type="datetimeFigureOut">
               <a:rPr lang="en-IN" smtClean="0"/>
-              <a:t>03-12-2024</a:t>
+              <a:t>07-12-2024</a:t>
             </a:fld>
             <a:endParaRPr lang="en-IN"/>
           </a:p>
@@ -2687,7 +2693,7 @@
           <a:p>
             <a:fld id="{C6B64027-544B-4269-95A4-66DE2344B7A5}" type="datetimeFigureOut">
               <a:rPr lang="en-IN" smtClean="0"/>
-              <a:t>03-12-2024</a:t>
+              <a:t>07-12-2024</a:t>
             </a:fld>
             <a:endParaRPr lang="en-IN"/>
           </a:p>
@@ -2930,7 +2936,7 @@
           <a:p>
             <a:fld id="{C6B64027-544B-4269-95A4-66DE2344B7A5}" type="datetimeFigureOut">
               <a:rPr lang="en-IN" smtClean="0"/>
-              <a:t>03-12-2024</a:t>
+              <a:t>07-12-2024</a:t>
             </a:fld>
             <a:endParaRPr lang="en-IN"/>
           </a:p>
@@ -10939,6 +10945,1590 @@
 </p:sld>
 </file>
 
+<file path=ppt/slides/slide7.xml><?xml version="1.0" encoding="utf-8"?>
+<p:sld xmlns:a="http://schemas.openxmlformats.org/drawingml/2006/main" xmlns:r="http://schemas.openxmlformats.org/officeDocument/2006/relationships" xmlns:p="http://schemas.openxmlformats.org/presentationml/2006/main">
+  <p:cSld>
+    <p:spTree>
+      <p:nvGrpSpPr>
+        <p:cNvPr id="1" name=""/>
+        <p:cNvGrpSpPr/>
+        <p:nvPr/>
+      </p:nvGrpSpPr>
+      <p:grpSpPr>
+        <a:xfrm>
+          <a:off x="0" y="0"/>
+          <a:ext cx="0" cy="0"/>
+          <a:chOff x="0" y="0"/>
+          <a:chExt cx="0" cy="0"/>
+        </a:xfrm>
+      </p:grpSpPr>
+      <p:sp>
+        <p:nvSpPr>
+          <p:cNvPr id="2" name="TextBox 1">
+            <a:extLst>
+              <a:ext uri="{FF2B5EF4-FFF2-40B4-BE49-F238E27FC236}">
+                <a16:creationId xmlns:a16="http://schemas.microsoft.com/office/drawing/2014/main" id="{43997D1D-4CDB-D621-A0A1-00DD5845F2B1}"/>
+              </a:ext>
+            </a:extLst>
+          </p:cNvPr>
+          <p:cNvSpPr txBox="1"/>
+          <p:nvPr/>
+        </p:nvSpPr>
+        <p:spPr>
+          <a:xfrm>
+            <a:off x="108155" y="88490"/>
+            <a:ext cx="11975690" cy="769441"/>
+          </a:xfrm>
+          <a:prstGeom prst="rect">
+            <a:avLst/>
+          </a:prstGeom>
+          <a:noFill/>
+          <a:ln w="38100">
+            <a:solidFill>
+              <a:schemeClr val="tx1"/>
+            </a:solidFill>
+          </a:ln>
+        </p:spPr>
+        <p:txBody>
+          <a:bodyPr wrap="square" rtlCol="0">
+            <a:spAutoFit/>
+          </a:bodyPr>
+          <a:lstStyle/>
+          <a:p>
+            <a:pPr algn="ctr"/>
+            <a:r>
+              <a:rPr lang="en-US" sz="4400" dirty="0"/>
+              <a:t>CHRONICLES OF NEDUMAARAN</a:t>
+            </a:r>
+            <a:endParaRPr lang="en-IN" sz="4400" dirty="0"/>
+          </a:p>
+        </p:txBody>
+      </p:sp>
+      <p:pic>
+        <p:nvPicPr>
+          <p:cNvPr id="3" name="Picture 2">
+            <a:extLst>
+              <a:ext uri="{FF2B5EF4-FFF2-40B4-BE49-F238E27FC236}">
+                <a16:creationId xmlns:a16="http://schemas.microsoft.com/office/drawing/2014/main" id="{4C482A73-E3EB-C451-1BAB-30F4C41CF847}"/>
+              </a:ext>
+            </a:extLst>
+          </p:cNvPr>
+          <p:cNvPicPr>
+            <a:picLocks noChangeAspect="1"/>
+          </p:cNvPicPr>
+          <p:nvPr/>
+        </p:nvPicPr>
+        <p:blipFill>
+          <a:blip r:embed="rId2">
+            <a:extLst>
+              <a:ext uri="{28A0092B-C50C-407E-A947-70E740481C1C}">
+                <a14:useLocalDpi xmlns:a14="http://schemas.microsoft.com/office/drawing/2010/main" val="0"/>
+              </a:ext>
+            </a:extLst>
+          </a:blip>
+          <a:stretch>
+            <a:fillRect/>
+          </a:stretch>
+        </p:blipFill>
+        <p:spPr>
+          <a:xfrm>
+            <a:off x="167146" y="127225"/>
+            <a:ext cx="799993" cy="675994"/>
+          </a:xfrm>
+          <a:prstGeom prst="rect">
+            <a:avLst/>
+          </a:prstGeom>
+        </p:spPr>
+      </p:pic>
+      <p:sp>
+        <p:nvSpPr>
+          <p:cNvPr id="4" name="TextBox 3">
+            <a:extLst>
+              <a:ext uri="{FF2B5EF4-FFF2-40B4-BE49-F238E27FC236}">
+                <a16:creationId xmlns:a16="http://schemas.microsoft.com/office/drawing/2014/main" id="{8A84752A-4F8A-6329-C76A-56D56E2EB4BA}"/>
+              </a:ext>
+            </a:extLst>
+          </p:cNvPr>
+          <p:cNvSpPr txBox="1"/>
+          <p:nvPr/>
+        </p:nvSpPr>
+        <p:spPr>
+          <a:xfrm>
+            <a:off x="3087329" y="1101213"/>
+            <a:ext cx="5161936" cy="369332"/>
+          </a:xfrm>
+          <a:prstGeom prst="rect">
+            <a:avLst/>
+          </a:prstGeom>
+          <a:noFill/>
+        </p:spPr>
+        <p:txBody>
+          <a:bodyPr wrap="square" rtlCol="0">
+            <a:spAutoFit/>
+          </a:bodyPr>
+          <a:lstStyle/>
+          <a:p>
+            <a:pPr algn="ctr"/>
+            <a:r>
+              <a:rPr lang="en-US" u="sng" dirty="0"/>
+              <a:t>OUR PRROGRESS</a:t>
+            </a:r>
+            <a:endParaRPr lang="en-IN" u="sng" dirty="0"/>
+          </a:p>
+        </p:txBody>
+      </p:sp>
+      <p:grpSp>
+        <p:nvGrpSpPr>
+          <p:cNvPr id="8" name="Group 7">
+            <a:extLst>
+              <a:ext uri="{FF2B5EF4-FFF2-40B4-BE49-F238E27FC236}">
+                <a16:creationId xmlns:a16="http://schemas.microsoft.com/office/drawing/2014/main" id="{C95C2217-6496-E5B7-B579-7E9A3A478834}"/>
+              </a:ext>
+            </a:extLst>
+          </p:cNvPr>
+          <p:cNvGrpSpPr/>
+          <p:nvPr/>
+        </p:nvGrpSpPr>
+        <p:grpSpPr>
+          <a:xfrm>
+            <a:off x="167146" y="1914833"/>
+            <a:ext cx="2718618" cy="3028334"/>
+            <a:chOff x="368711" y="1914833"/>
+            <a:chExt cx="2718618" cy="3028334"/>
+          </a:xfrm>
+        </p:grpSpPr>
+        <p:sp>
+          <p:nvSpPr>
+            <p:cNvPr id="5" name="Rectangle 4">
+              <a:extLst>
+                <a:ext uri="{FF2B5EF4-FFF2-40B4-BE49-F238E27FC236}">
+                  <a16:creationId xmlns:a16="http://schemas.microsoft.com/office/drawing/2014/main" id="{127ABD4A-9EEE-389D-E143-13F344300104}"/>
+                </a:ext>
+              </a:extLst>
+            </p:cNvPr>
+            <p:cNvSpPr/>
+            <p:nvPr/>
+          </p:nvSpPr>
+          <p:spPr>
+            <a:xfrm>
+              <a:off x="368711" y="1914833"/>
+              <a:ext cx="2718618" cy="3028334"/>
+            </a:xfrm>
+            <a:prstGeom prst="rect">
+              <a:avLst/>
+            </a:prstGeom>
+            <a:noFill/>
+            <a:ln w="28575">
+              <a:solidFill>
+                <a:schemeClr val="tx1"/>
+              </a:solidFill>
+            </a:ln>
+          </p:spPr>
+          <p:style>
+            <a:lnRef idx="2">
+              <a:schemeClr val="accent1">
+                <a:shade val="15000"/>
+              </a:schemeClr>
+            </a:lnRef>
+            <a:fillRef idx="1">
+              <a:schemeClr val="accent1"/>
+            </a:fillRef>
+            <a:effectRef idx="0">
+              <a:schemeClr val="accent1"/>
+            </a:effectRef>
+            <a:fontRef idx="minor">
+              <a:schemeClr val="lt1"/>
+            </a:fontRef>
+          </p:style>
+          <p:txBody>
+            <a:bodyPr rtlCol="0" anchor="ctr"/>
+            <a:lstStyle/>
+            <a:p>
+              <a:pPr algn="ctr"/>
+              <a:endParaRPr lang="en-IN"/>
+            </a:p>
+          </p:txBody>
+        </p:sp>
+        <p:sp>
+          <p:nvSpPr>
+            <p:cNvPr id="6" name="Rectangle 5">
+              <a:extLst>
+                <a:ext uri="{FF2B5EF4-FFF2-40B4-BE49-F238E27FC236}">
+                  <a16:creationId xmlns:a16="http://schemas.microsoft.com/office/drawing/2014/main" id="{148AEAAE-7C00-F75C-2027-B32C53667585}"/>
+                </a:ext>
+              </a:extLst>
+            </p:cNvPr>
+            <p:cNvSpPr/>
+            <p:nvPr/>
+          </p:nvSpPr>
+          <p:spPr>
+            <a:xfrm>
+              <a:off x="532729" y="3429000"/>
+              <a:ext cx="2412032" cy="1342102"/>
+            </a:xfrm>
+            <a:prstGeom prst="rect">
+              <a:avLst/>
+            </a:prstGeom>
+          </p:spPr>
+          <p:style>
+            <a:lnRef idx="2">
+              <a:schemeClr val="accent1">
+                <a:shade val="15000"/>
+              </a:schemeClr>
+            </a:lnRef>
+            <a:fillRef idx="1">
+              <a:schemeClr val="accent1"/>
+            </a:fillRef>
+            <a:effectRef idx="0">
+              <a:schemeClr val="accent1"/>
+            </a:effectRef>
+            <a:fontRef idx="minor">
+              <a:schemeClr val="lt1"/>
+            </a:fontRef>
+          </p:style>
+          <p:txBody>
+            <a:bodyPr rtlCol="0" anchor="ctr"/>
+            <a:lstStyle/>
+            <a:p>
+              <a:pPr algn="ctr"/>
+              <a:endParaRPr lang="en-IN"/>
+            </a:p>
+          </p:txBody>
+        </p:sp>
+        <p:sp>
+          <p:nvSpPr>
+            <p:cNvPr id="7" name="Rectangle 6">
+              <a:extLst>
+                <a:ext uri="{FF2B5EF4-FFF2-40B4-BE49-F238E27FC236}">
+                  <a16:creationId xmlns:a16="http://schemas.microsoft.com/office/drawing/2014/main" id="{B9CF8800-5B43-84D1-32C0-43BA9E41E78B}"/>
+                </a:ext>
+              </a:extLst>
+            </p:cNvPr>
+            <p:cNvSpPr/>
+            <p:nvPr/>
+          </p:nvSpPr>
+          <p:spPr>
+            <a:xfrm>
+              <a:off x="644013" y="4171335"/>
+              <a:ext cx="2133602" cy="442451"/>
+            </a:xfrm>
+            <a:prstGeom prst="rect">
+              <a:avLst/>
+            </a:prstGeom>
+            <a:solidFill>
+              <a:schemeClr val="bg1"/>
+            </a:solidFill>
+          </p:spPr>
+          <p:style>
+            <a:lnRef idx="2">
+              <a:schemeClr val="accent1">
+                <a:shade val="15000"/>
+              </a:schemeClr>
+            </a:lnRef>
+            <a:fillRef idx="1">
+              <a:schemeClr val="accent1"/>
+            </a:fillRef>
+            <a:effectRef idx="0">
+              <a:schemeClr val="accent1"/>
+            </a:effectRef>
+            <a:fontRef idx="minor">
+              <a:schemeClr val="lt1"/>
+            </a:fontRef>
+          </p:style>
+          <p:txBody>
+            <a:bodyPr rtlCol="0" anchor="ctr"/>
+            <a:lstStyle/>
+            <a:p>
+              <a:pPr algn="ctr"/>
+              <a:endParaRPr lang="en-IN"/>
+            </a:p>
+          </p:txBody>
+        </p:sp>
+      </p:grpSp>
+      <p:grpSp>
+        <p:nvGrpSpPr>
+          <p:cNvPr id="9" name="Group 8">
+            <a:extLst>
+              <a:ext uri="{FF2B5EF4-FFF2-40B4-BE49-F238E27FC236}">
+                <a16:creationId xmlns:a16="http://schemas.microsoft.com/office/drawing/2014/main" id="{497ECBF5-E356-F5A7-ECC8-645E32B96CFE}"/>
+              </a:ext>
+            </a:extLst>
+          </p:cNvPr>
+          <p:cNvGrpSpPr/>
+          <p:nvPr/>
+        </p:nvGrpSpPr>
+        <p:grpSpPr>
+          <a:xfrm>
+            <a:off x="3175817" y="1914833"/>
+            <a:ext cx="2718618" cy="3028334"/>
+            <a:chOff x="368711" y="1914833"/>
+            <a:chExt cx="2718618" cy="3028334"/>
+          </a:xfrm>
+        </p:grpSpPr>
+        <p:sp>
+          <p:nvSpPr>
+            <p:cNvPr id="10" name="Rectangle 9">
+              <a:extLst>
+                <a:ext uri="{FF2B5EF4-FFF2-40B4-BE49-F238E27FC236}">
+                  <a16:creationId xmlns:a16="http://schemas.microsoft.com/office/drawing/2014/main" id="{1201E82D-3A73-A2E1-3EF4-184AA1F2E8B8}"/>
+                </a:ext>
+              </a:extLst>
+            </p:cNvPr>
+            <p:cNvSpPr/>
+            <p:nvPr/>
+          </p:nvSpPr>
+          <p:spPr>
+            <a:xfrm>
+              <a:off x="368711" y="1914833"/>
+              <a:ext cx="2718618" cy="3028334"/>
+            </a:xfrm>
+            <a:prstGeom prst="rect">
+              <a:avLst/>
+            </a:prstGeom>
+            <a:noFill/>
+            <a:ln w="28575">
+              <a:solidFill>
+                <a:schemeClr val="tx1"/>
+              </a:solidFill>
+            </a:ln>
+          </p:spPr>
+          <p:style>
+            <a:lnRef idx="2">
+              <a:schemeClr val="accent1">
+                <a:shade val="15000"/>
+              </a:schemeClr>
+            </a:lnRef>
+            <a:fillRef idx="1">
+              <a:schemeClr val="accent1"/>
+            </a:fillRef>
+            <a:effectRef idx="0">
+              <a:schemeClr val="accent1"/>
+            </a:effectRef>
+            <a:fontRef idx="minor">
+              <a:schemeClr val="lt1"/>
+            </a:fontRef>
+          </p:style>
+          <p:txBody>
+            <a:bodyPr rtlCol="0" anchor="ctr"/>
+            <a:lstStyle/>
+            <a:p>
+              <a:pPr algn="ctr"/>
+              <a:endParaRPr lang="en-IN"/>
+            </a:p>
+          </p:txBody>
+        </p:sp>
+        <p:sp>
+          <p:nvSpPr>
+            <p:cNvPr id="11" name="Rectangle 10">
+              <a:extLst>
+                <a:ext uri="{FF2B5EF4-FFF2-40B4-BE49-F238E27FC236}">
+                  <a16:creationId xmlns:a16="http://schemas.microsoft.com/office/drawing/2014/main" id="{C7A8A202-F880-7053-4E32-6F05DA1C4FB4}"/>
+                </a:ext>
+              </a:extLst>
+            </p:cNvPr>
+            <p:cNvSpPr/>
+            <p:nvPr/>
+          </p:nvSpPr>
+          <p:spPr>
+            <a:xfrm>
+              <a:off x="532729" y="3429000"/>
+              <a:ext cx="2412032" cy="1342102"/>
+            </a:xfrm>
+            <a:prstGeom prst="rect">
+              <a:avLst/>
+            </a:prstGeom>
+          </p:spPr>
+          <p:style>
+            <a:lnRef idx="2">
+              <a:schemeClr val="accent1">
+                <a:shade val="15000"/>
+              </a:schemeClr>
+            </a:lnRef>
+            <a:fillRef idx="1">
+              <a:schemeClr val="accent1"/>
+            </a:fillRef>
+            <a:effectRef idx="0">
+              <a:schemeClr val="accent1"/>
+            </a:effectRef>
+            <a:fontRef idx="minor">
+              <a:schemeClr val="lt1"/>
+            </a:fontRef>
+          </p:style>
+          <p:txBody>
+            <a:bodyPr rtlCol="0" anchor="ctr"/>
+            <a:lstStyle/>
+            <a:p>
+              <a:pPr algn="ctr"/>
+              <a:endParaRPr lang="en-IN"/>
+            </a:p>
+          </p:txBody>
+        </p:sp>
+        <p:sp>
+          <p:nvSpPr>
+            <p:cNvPr id="12" name="Rectangle 11">
+              <a:extLst>
+                <a:ext uri="{FF2B5EF4-FFF2-40B4-BE49-F238E27FC236}">
+                  <a16:creationId xmlns:a16="http://schemas.microsoft.com/office/drawing/2014/main" id="{33308059-FA47-AEBF-CD02-A9B7B113A72E}"/>
+                </a:ext>
+              </a:extLst>
+            </p:cNvPr>
+            <p:cNvSpPr/>
+            <p:nvPr/>
+          </p:nvSpPr>
+          <p:spPr>
+            <a:xfrm>
+              <a:off x="644013" y="4171335"/>
+              <a:ext cx="2133602" cy="442451"/>
+            </a:xfrm>
+            <a:prstGeom prst="rect">
+              <a:avLst/>
+            </a:prstGeom>
+            <a:solidFill>
+              <a:schemeClr val="bg1"/>
+            </a:solidFill>
+          </p:spPr>
+          <p:style>
+            <a:lnRef idx="2">
+              <a:schemeClr val="accent1">
+                <a:shade val="15000"/>
+              </a:schemeClr>
+            </a:lnRef>
+            <a:fillRef idx="1">
+              <a:schemeClr val="accent1"/>
+            </a:fillRef>
+            <a:effectRef idx="0">
+              <a:schemeClr val="accent1"/>
+            </a:effectRef>
+            <a:fontRef idx="minor">
+              <a:schemeClr val="lt1"/>
+            </a:fontRef>
+          </p:style>
+          <p:txBody>
+            <a:bodyPr rtlCol="0" anchor="ctr"/>
+            <a:lstStyle/>
+            <a:p>
+              <a:pPr algn="ctr"/>
+              <a:endParaRPr lang="en-IN"/>
+            </a:p>
+          </p:txBody>
+        </p:sp>
+      </p:grpSp>
+      <p:grpSp>
+        <p:nvGrpSpPr>
+          <p:cNvPr id="13" name="Group 12">
+            <a:extLst>
+              <a:ext uri="{FF2B5EF4-FFF2-40B4-BE49-F238E27FC236}">
+                <a16:creationId xmlns:a16="http://schemas.microsoft.com/office/drawing/2014/main" id="{6DA8CD24-A95B-8278-BE51-CFA51828A793}"/>
+              </a:ext>
+            </a:extLst>
+          </p:cNvPr>
+          <p:cNvGrpSpPr/>
+          <p:nvPr/>
+        </p:nvGrpSpPr>
+        <p:grpSpPr>
+          <a:xfrm>
+            <a:off x="6184488" y="1914833"/>
+            <a:ext cx="2718618" cy="3028334"/>
+            <a:chOff x="368711" y="1914833"/>
+            <a:chExt cx="2718618" cy="3028334"/>
+          </a:xfrm>
+        </p:grpSpPr>
+        <p:sp>
+          <p:nvSpPr>
+            <p:cNvPr id="14" name="Rectangle 13">
+              <a:extLst>
+                <a:ext uri="{FF2B5EF4-FFF2-40B4-BE49-F238E27FC236}">
+                  <a16:creationId xmlns:a16="http://schemas.microsoft.com/office/drawing/2014/main" id="{3F99F98C-1754-65D8-8B71-2F4C9BD61F6D}"/>
+                </a:ext>
+              </a:extLst>
+            </p:cNvPr>
+            <p:cNvSpPr/>
+            <p:nvPr/>
+          </p:nvSpPr>
+          <p:spPr>
+            <a:xfrm>
+              <a:off x="368711" y="1914833"/>
+              <a:ext cx="2718618" cy="3028334"/>
+            </a:xfrm>
+            <a:prstGeom prst="rect">
+              <a:avLst/>
+            </a:prstGeom>
+            <a:noFill/>
+            <a:ln w="28575">
+              <a:solidFill>
+                <a:schemeClr val="tx1"/>
+              </a:solidFill>
+            </a:ln>
+          </p:spPr>
+          <p:style>
+            <a:lnRef idx="2">
+              <a:schemeClr val="accent1">
+                <a:shade val="15000"/>
+              </a:schemeClr>
+            </a:lnRef>
+            <a:fillRef idx="1">
+              <a:schemeClr val="accent1"/>
+            </a:fillRef>
+            <a:effectRef idx="0">
+              <a:schemeClr val="accent1"/>
+            </a:effectRef>
+            <a:fontRef idx="minor">
+              <a:schemeClr val="lt1"/>
+            </a:fontRef>
+          </p:style>
+          <p:txBody>
+            <a:bodyPr rtlCol="0" anchor="ctr"/>
+            <a:lstStyle/>
+            <a:p>
+              <a:pPr algn="ctr"/>
+              <a:endParaRPr lang="en-IN"/>
+            </a:p>
+          </p:txBody>
+        </p:sp>
+        <p:sp>
+          <p:nvSpPr>
+            <p:cNvPr id="15" name="Rectangle 14">
+              <a:extLst>
+                <a:ext uri="{FF2B5EF4-FFF2-40B4-BE49-F238E27FC236}">
+                  <a16:creationId xmlns:a16="http://schemas.microsoft.com/office/drawing/2014/main" id="{6BA17954-AD0C-B520-46A6-86E1DD224567}"/>
+                </a:ext>
+              </a:extLst>
+            </p:cNvPr>
+            <p:cNvSpPr/>
+            <p:nvPr/>
+          </p:nvSpPr>
+          <p:spPr>
+            <a:xfrm>
+              <a:off x="532729" y="3429000"/>
+              <a:ext cx="2412032" cy="1342102"/>
+            </a:xfrm>
+            <a:prstGeom prst="rect">
+              <a:avLst/>
+            </a:prstGeom>
+          </p:spPr>
+          <p:style>
+            <a:lnRef idx="2">
+              <a:schemeClr val="accent1">
+                <a:shade val="15000"/>
+              </a:schemeClr>
+            </a:lnRef>
+            <a:fillRef idx="1">
+              <a:schemeClr val="accent1"/>
+            </a:fillRef>
+            <a:effectRef idx="0">
+              <a:schemeClr val="accent1"/>
+            </a:effectRef>
+            <a:fontRef idx="minor">
+              <a:schemeClr val="lt1"/>
+            </a:fontRef>
+          </p:style>
+          <p:txBody>
+            <a:bodyPr rtlCol="0" anchor="ctr"/>
+            <a:lstStyle/>
+            <a:p>
+              <a:pPr algn="ctr"/>
+              <a:endParaRPr lang="en-IN"/>
+            </a:p>
+          </p:txBody>
+        </p:sp>
+        <p:sp>
+          <p:nvSpPr>
+            <p:cNvPr id="16" name="Rectangle 15">
+              <a:extLst>
+                <a:ext uri="{FF2B5EF4-FFF2-40B4-BE49-F238E27FC236}">
+                  <a16:creationId xmlns:a16="http://schemas.microsoft.com/office/drawing/2014/main" id="{EB9D0C8D-2471-8E60-608B-CD75507E1B8D}"/>
+                </a:ext>
+              </a:extLst>
+            </p:cNvPr>
+            <p:cNvSpPr/>
+            <p:nvPr/>
+          </p:nvSpPr>
+          <p:spPr>
+            <a:xfrm>
+              <a:off x="644013" y="4171335"/>
+              <a:ext cx="2133602" cy="442451"/>
+            </a:xfrm>
+            <a:prstGeom prst="rect">
+              <a:avLst/>
+            </a:prstGeom>
+            <a:solidFill>
+              <a:schemeClr val="bg1"/>
+            </a:solidFill>
+          </p:spPr>
+          <p:style>
+            <a:lnRef idx="2">
+              <a:schemeClr val="accent1">
+                <a:shade val="15000"/>
+              </a:schemeClr>
+            </a:lnRef>
+            <a:fillRef idx="1">
+              <a:schemeClr val="accent1"/>
+            </a:fillRef>
+            <a:effectRef idx="0">
+              <a:schemeClr val="accent1"/>
+            </a:effectRef>
+            <a:fontRef idx="minor">
+              <a:schemeClr val="lt1"/>
+            </a:fontRef>
+          </p:style>
+          <p:txBody>
+            <a:bodyPr rtlCol="0" anchor="ctr"/>
+            <a:lstStyle/>
+            <a:p>
+              <a:pPr algn="ctr"/>
+              <a:endParaRPr lang="en-IN"/>
+            </a:p>
+          </p:txBody>
+        </p:sp>
+      </p:grpSp>
+      <p:grpSp>
+        <p:nvGrpSpPr>
+          <p:cNvPr id="17" name="Group 16">
+            <a:extLst>
+              <a:ext uri="{FF2B5EF4-FFF2-40B4-BE49-F238E27FC236}">
+                <a16:creationId xmlns:a16="http://schemas.microsoft.com/office/drawing/2014/main" id="{5420DE29-EDDD-050C-FD46-6E95F46DB3E6}"/>
+              </a:ext>
+            </a:extLst>
+          </p:cNvPr>
+          <p:cNvGrpSpPr/>
+          <p:nvPr/>
+        </p:nvGrpSpPr>
+        <p:grpSpPr>
+          <a:xfrm>
+            <a:off x="167146" y="5095567"/>
+            <a:ext cx="2718618" cy="3028334"/>
+            <a:chOff x="368711" y="1914833"/>
+            <a:chExt cx="2718618" cy="3028334"/>
+          </a:xfrm>
+        </p:grpSpPr>
+        <p:sp>
+          <p:nvSpPr>
+            <p:cNvPr id="18" name="Rectangle 17">
+              <a:extLst>
+                <a:ext uri="{FF2B5EF4-FFF2-40B4-BE49-F238E27FC236}">
+                  <a16:creationId xmlns:a16="http://schemas.microsoft.com/office/drawing/2014/main" id="{939F6CEB-C8E8-B7B5-8026-2EAF278C9EC3}"/>
+                </a:ext>
+              </a:extLst>
+            </p:cNvPr>
+            <p:cNvSpPr/>
+            <p:nvPr/>
+          </p:nvSpPr>
+          <p:spPr>
+            <a:xfrm>
+              <a:off x="368711" y="1914833"/>
+              <a:ext cx="2718618" cy="3028334"/>
+            </a:xfrm>
+            <a:prstGeom prst="rect">
+              <a:avLst/>
+            </a:prstGeom>
+            <a:noFill/>
+            <a:ln w="28575">
+              <a:solidFill>
+                <a:schemeClr val="tx1"/>
+              </a:solidFill>
+            </a:ln>
+          </p:spPr>
+          <p:style>
+            <a:lnRef idx="2">
+              <a:schemeClr val="accent1">
+                <a:shade val="15000"/>
+              </a:schemeClr>
+            </a:lnRef>
+            <a:fillRef idx="1">
+              <a:schemeClr val="accent1"/>
+            </a:fillRef>
+            <a:effectRef idx="0">
+              <a:schemeClr val="accent1"/>
+            </a:effectRef>
+            <a:fontRef idx="minor">
+              <a:schemeClr val="lt1"/>
+            </a:fontRef>
+          </p:style>
+          <p:txBody>
+            <a:bodyPr rtlCol="0" anchor="ctr"/>
+            <a:lstStyle/>
+            <a:p>
+              <a:pPr algn="ctr"/>
+              <a:endParaRPr lang="en-IN"/>
+            </a:p>
+          </p:txBody>
+        </p:sp>
+        <p:sp>
+          <p:nvSpPr>
+            <p:cNvPr id="19" name="Rectangle 18">
+              <a:extLst>
+                <a:ext uri="{FF2B5EF4-FFF2-40B4-BE49-F238E27FC236}">
+                  <a16:creationId xmlns:a16="http://schemas.microsoft.com/office/drawing/2014/main" id="{9466ACBF-58F3-C790-24FB-4EB284F53F5E}"/>
+                </a:ext>
+              </a:extLst>
+            </p:cNvPr>
+            <p:cNvSpPr/>
+            <p:nvPr/>
+          </p:nvSpPr>
+          <p:spPr>
+            <a:xfrm>
+              <a:off x="532729" y="3429000"/>
+              <a:ext cx="2412032" cy="1342102"/>
+            </a:xfrm>
+            <a:prstGeom prst="rect">
+              <a:avLst/>
+            </a:prstGeom>
+          </p:spPr>
+          <p:style>
+            <a:lnRef idx="2">
+              <a:schemeClr val="accent1">
+                <a:shade val="15000"/>
+              </a:schemeClr>
+            </a:lnRef>
+            <a:fillRef idx="1">
+              <a:schemeClr val="accent1"/>
+            </a:fillRef>
+            <a:effectRef idx="0">
+              <a:schemeClr val="accent1"/>
+            </a:effectRef>
+            <a:fontRef idx="minor">
+              <a:schemeClr val="lt1"/>
+            </a:fontRef>
+          </p:style>
+          <p:txBody>
+            <a:bodyPr rtlCol="0" anchor="ctr"/>
+            <a:lstStyle/>
+            <a:p>
+              <a:pPr algn="ctr"/>
+              <a:endParaRPr lang="en-IN"/>
+            </a:p>
+          </p:txBody>
+        </p:sp>
+        <p:sp>
+          <p:nvSpPr>
+            <p:cNvPr id="20" name="Rectangle 19">
+              <a:extLst>
+                <a:ext uri="{FF2B5EF4-FFF2-40B4-BE49-F238E27FC236}">
+                  <a16:creationId xmlns:a16="http://schemas.microsoft.com/office/drawing/2014/main" id="{9FED52BA-EDA3-9F6E-5193-21B1A9C41370}"/>
+                </a:ext>
+              </a:extLst>
+            </p:cNvPr>
+            <p:cNvSpPr/>
+            <p:nvPr/>
+          </p:nvSpPr>
+          <p:spPr>
+            <a:xfrm>
+              <a:off x="644013" y="4171335"/>
+              <a:ext cx="2133602" cy="442451"/>
+            </a:xfrm>
+            <a:prstGeom prst="rect">
+              <a:avLst/>
+            </a:prstGeom>
+            <a:solidFill>
+              <a:schemeClr val="bg1"/>
+            </a:solidFill>
+          </p:spPr>
+          <p:style>
+            <a:lnRef idx="2">
+              <a:schemeClr val="accent1">
+                <a:shade val="15000"/>
+              </a:schemeClr>
+            </a:lnRef>
+            <a:fillRef idx="1">
+              <a:schemeClr val="accent1"/>
+            </a:fillRef>
+            <a:effectRef idx="0">
+              <a:schemeClr val="accent1"/>
+            </a:effectRef>
+            <a:fontRef idx="minor">
+              <a:schemeClr val="lt1"/>
+            </a:fontRef>
+          </p:style>
+          <p:txBody>
+            <a:bodyPr rtlCol="0" anchor="ctr"/>
+            <a:lstStyle/>
+            <a:p>
+              <a:pPr algn="ctr"/>
+              <a:endParaRPr lang="en-IN"/>
+            </a:p>
+          </p:txBody>
+        </p:sp>
+      </p:grpSp>
+      <p:grpSp>
+        <p:nvGrpSpPr>
+          <p:cNvPr id="21" name="Group 20">
+            <a:extLst>
+              <a:ext uri="{FF2B5EF4-FFF2-40B4-BE49-F238E27FC236}">
+                <a16:creationId xmlns:a16="http://schemas.microsoft.com/office/drawing/2014/main" id="{F12937C8-6AAD-6AC9-04B3-120C6315395C}"/>
+              </a:ext>
+            </a:extLst>
+          </p:cNvPr>
+          <p:cNvGrpSpPr/>
+          <p:nvPr/>
+        </p:nvGrpSpPr>
+        <p:grpSpPr>
+          <a:xfrm>
+            <a:off x="9193159" y="1914833"/>
+            <a:ext cx="2718618" cy="3028334"/>
+            <a:chOff x="368711" y="1914833"/>
+            <a:chExt cx="2718618" cy="3028334"/>
+          </a:xfrm>
+        </p:grpSpPr>
+        <p:sp>
+          <p:nvSpPr>
+            <p:cNvPr id="22" name="Rectangle 21">
+              <a:extLst>
+                <a:ext uri="{FF2B5EF4-FFF2-40B4-BE49-F238E27FC236}">
+                  <a16:creationId xmlns:a16="http://schemas.microsoft.com/office/drawing/2014/main" id="{B627F918-0AC6-C1A7-58D1-7F060E3C3649}"/>
+                </a:ext>
+              </a:extLst>
+            </p:cNvPr>
+            <p:cNvSpPr/>
+            <p:nvPr/>
+          </p:nvSpPr>
+          <p:spPr>
+            <a:xfrm>
+              <a:off x="368711" y="1914833"/>
+              <a:ext cx="2718618" cy="3028334"/>
+            </a:xfrm>
+            <a:prstGeom prst="rect">
+              <a:avLst/>
+            </a:prstGeom>
+            <a:noFill/>
+            <a:ln w="28575">
+              <a:solidFill>
+                <a:schemeClr val="tx1"/>
+              </a:solidFill>
+            </a:ln>
+          </p:spPr>
+          <p:style>
+            <a:lnRef idx="2">
+              <a:schemeClr val="accent1">
+                <a:shade val="15000"/>
+              </a:schemeClr>
+            </a:lnRef>
+            <a:fillRef idx="1">
+              <a:schemeClr val="accent1"/>
+            </a:fillRef>
+            <a:effectRef idx="0">
+              <a:schemeClr val="accent1"/>
+            </a:effectRef>
+            <a:fontRef idx="minor">
+              <a:schemeClr val="lt1"/>
+            </a:fontRef>
+          </p:style>
+          <p:txBody>
+            <a:bodyPr rtlCol="0" anchor="ctr"/>
+            <a:lstStyle/>
+            <a:p>
+              <a:pPr algn="ctr"/>
+              <a:endParaRPr lang="en-IN"/>
+            </a:p>
+          </p:txBody>
+        </p:sp>
+        <p:sp>
+          <p:nvSpPr>
+            <p:cNvPr id="23" name="Rectangle 22">
+              <a:extLst>
+                <a:ext uri="{FF2B5EF4-FFF2-40B4-BE49-F238E27FC236}">
+                  <a16:creationId xmlns:a16="http://schemas.microsoft.com/office/drawing/2014/main" id="{E897E03A-B296-4C3E-0B9F-3FBBDD71C3FA}"/>
+                </a:ext>
+              </a:extLst>
+            </p:cNvPr>
+            <p:cNvSpPr/>
+            <p:nvPr/>
+          </p:nvSpPr>
+          <p:spPr>
+            <a:xfrm>
+              <a:off x="532729" y="3429000"/>
+              <a:ext cx="2412032" cy="1342102"/>
+            </a:xfrm>
+            <a:prstGeom prst="rect">
+              <a:avLst/>
+            </a:prstGeom>
+          </p:spPr>
+          <p:style>
+            <a:lnRef idx="2">
+              <a:schemeClr val="accent1">
+                <a:shade val="15000"/>
+              </a:schemeClr>
+            </a:lnRef>
+            <a:fillRef idx="1">
+              <a:schemeClr val="accent1"/>
+            </a:fillRef>
+            <a:effectRef idx="0">
+              <a:schemeClr val="accent1"/>
+            </a:effectRef>
+            <a:fontRef idx="minor">
+              <a:schemeClr val="lt1"/>
+            </a:fontRef>
+          </p:style>
+          <p:txBody>
+            <a:bodyPr rtlCol="0" anchor="ctr"/>
+            <a:lstStyle/>
+            <a:p>
+              <a:pPr algn="ctr"/>
+              <a:endParaRPr lang="en-IN" dirty="0"/>
+            </a:p>
+          </p:txBody>
+        </p:sp>
+        <p:sp>
+          <p:nvSpPr>
+            <p:cNvPr id="24" name="Rectangle 23">
+              <a:extLst>
+                <a:ext uri="{FF2B5EF4-FFF2-40B4-BE49-F238E27FC236}">
+                  <a16:creationId xmlns:a16="http://schemas.microsoft.com/office/drawing/2014/main" id="{53F6CAF2-BB60-9FE4-C80D-C2089C46BF48}"/>
+                </a:ext>
+              </a:extLst>
+            </p:cNvPr>
+            <p:cNvSpPr/>
+            <p:nvPr/>
+          </p:nvSpPr>
+          <p:spPr>
+            <a:xfrm>
+              <a:off x="644013" y="4171335"/>
+              <a:ext cx="2133602" cy="442451"/>
+            </a:xfrm>
+            <a:prstGeom prst="rect">
+              <a:avLst/>
+            </a:prstGeom>
+            <a:solidFill>
+              <a:schemeClr val="bg1"/>
+            </a:solidFill>
+          </p:spPr>
+          <p:style>
+            <a:lnRef idx="2">
+              <a:schemeClr val="accent1">
+                <a:shade val="15000"/>
+              </a:schemeClr>
+            </a:lnRef>
+            <a:fillRef idx="1">
+              <a:schemeClr val="accent1"/>
+            </a:fillRef>
+            <a:effectRef idx="0">
+              <a:schemeClr val="accent1"/>
+            </a:effectRef>
+            <a:fontRef idx="minor">
+              <a:schemeClr val="lt1"/>
+            </a:fontRef>
+          </p:style>
+          <p:txBody>
+            <a:bodyPr rtlCol="0" anchor="ctr"/>
+            <a:lstStyle/>
+            <a:p>
+              <a:pPr algn="ctr"/>
+              <a:endParaRPr lang="en-IN"/>
+            </a:p>
+          </p:txBody>
+        </p:sp>
+      </p:grpSp>
+      <p:grpSp>
+        <p:nvGrpSpPr>
+          <p:cNvPr id="25" name="Group 24">
+            <a:extLst>
+              <a:ext uri="{FF2B5EF4-FFF2-40B4-BE49-F238E27FC236}">
+                <a16:creationId xmlns:a16="http://schemas.microsoft.com/office/drawing/2014/main" id="{D9DA2F60-D5D0-3990-A768-6A71BB4471D4}"/>
+              </a:ext>
+            </a:extLst>
+          </p:cNvPr>
+          <p:cNvGrpSpPr/>
+          <p:nvPr/>
+        </p:nvGrpSpPr>
+        <p:grpSpPr>
+          <a:xfrm>
+            <a:off x="3158611" y="5095567"/>
+            <a:ext cx="2718618" cy="3028334"/>
+            <a:chOff x="368711" y="1914833"/>
+            <a:chExt cx="2718618" cy="3028334"/>
+          </a:xfrm>
+        </p:grpSpPr>
+        <p:sp>
+          <p:nvSpPr>
+            <p:cNvPr id="26" name="Rectangle 25">
+              <a:extLst>
+                <a:ext uri="{FF2B5EF4-FFF2-40B4-BE49-F238E27FC236}">
+                  <a16:creationId xmlns:a16="http://schemas.microsoft.com/office/drawing/2014/main" id="{DFB309C6-9D39-3284-190B-409C7973510F}"/>
+                </a:ext>
+              </a:extLst>
+            </p:cNvPr>
+            <p:cNvSpPr/>
+            <p:nvPr/>
+          </p:nvSpPr>
+          <p:spPr>
+            <a:xfrm>
+              <a:off x="368711" y="1914833"/>
+              <a:ext cx="2718618" cy="3028334"/>
+            </a:xfrm>
+            <a:prstGeom prst="rect">
+              <a:avLst/>
+            </a:prstGeom>
+            <a:noFill/>
+            <a:ln w="28575">
+              <a:solidFill>
+                <a:schemeClr val="tx1"/>
+              </a:solidFill>
+            </a:ln>
+          </p:spPr>
+          <p:style>
+            <a:lnRef idx="2">
+              <a:schemeClr val="accent1">
+                <a:shade val="15000"/>
+              </a:schemeClr>
+            </a:lnRef>
+            <a:fillRef idx="1">
+              <a:schemeClr val="accent1"/>
+            </a:fillRef>
+            <a:effectRef idx="0">
+              <a:schemeClr val="accent1"/>
+            </a:effectRef>
+            <a:fontRef idx="minor">
+              <a:schemeClr val="lt1"/>
+            </a:fontRef>
+          </p:style>
+          <p:txBody>
+            <a:bodyPr rtlCol="0" anchor="ctr"/>
+            <a:lstStyle/>
+            <a:p>
+              <a:pPr algn="ctr"/>
+              <a:endParaRPr lang="en-IN"/>
+            </a:p>
+          </p:txBody>
+        </p:sp>
+        <p:sp>
+          <p:nvSpPr>
+            <p:cNvPr id="27" name="Rectangle 26">
+              <a:extLst>
+                <a:ext uri="{FF2B5EF4-FFF2-40B4-BE49-F238E27FC236}">
+                  <a16:creationId xmlns:a16="http://schemas.microsoft.com/office/drawing/2014/main" id="{2A55017D-A508-6AD4-8B5E-CEC4A0F9BB04}"/>
+                </a:ext>
+              </a:extLst>
+            </p:cNvPr>
+            <p:cNvSpPr/>
+            <p:nvPr/>
+          </p:nvSpPr>
+          <p:spPr>
+            <a:xfrm>
+              <a:off x="532729" y="3429000"/>
+              <a:ext cx="2412032" cy="1342102"/>
+            </a:xfrm>
+            <a:prstGeom prst="rect">
+              <a:avLst/>
+            </a:prstGeom>
+          </p:spPr>
+          <p:style>
+            <a:lnRef idx="2">
+              <a:schemeClr val="accent1">
+                <a:shade val="15000"/>
+              </a:schemeClr>
+            </a:lnRef>
+            <a:fillRef idx="1">
+              <a:schemeClr val="accent1"/>
+            </a:fillRef>
+            <a:effectRef idx="0">
+              <a:schemeClr val="accent1"/>
+            </a:effectRef>
+            <a:fontRef idx="minor">
+              <a:schemeClr val="lt1"/>
+            </a:fontRef>
+          </p:style>
+          <p:txBody>
+            <a:bodyPr rtlCol="0" anchor="ctr"/>
+            <a:lstStyle/>
+            <a:p>
+              <a:pPr algn="ctr"/>
+              <a:endParaRPr lang="en-IN"/>
+            </a:p>
+          </p:txBody>
+        </p:sp>
+        <p:sp>
+          <p:nvSpPr>
+            <p:cNvPr id="28" name="Rectangle 27">
+              <a:extLst>
+                <a:ext uri="{FF2B5EF4-FFF2-40B4-BE49-F238E27FC236}">
+                  <a16:creationId xmlns:a16="http://schemas.microsoft.com/office/drawing/2014/main" id="{2EC01D5C-CF9E-5358-3CA1-B185B7EB30E2}"/>
+                </a:ext>
+              </a:extLst>
+            </p:cNvPr>
+            <p:cNvSpPr/>
+            <p:nvPr/>
+          </p:nvSpPr>
+          <p:spPr>
+            <a:xfrm>
+              <a:off x="644013" y="4171335"/>
+              <a:ext cx="2133602" cy="442451"/>
+            </a:xfrm>
+            <a:prstGeom prst="rect">
+              <a:avLst/>
+            </a:prstGeom>
+            <a:solidFill>
+              <a:schemeClr val="bg1"/>
+            </a:solidFill>
+          </p:spPr>
+          <p:style>
+            <a:lnRef idx="2">
+              <a:schemeClr val="accent1">
+                <a:shade val="15000"/>
+              </a:schemeClr>
+            </a:lnRef>
+            <a:fillRef idx="1">
+              <a:schemeClr val="accent1"/>
+            </a:fillRef>
+            <a:effectRef idx="0">
+              <a:schemeClr val="accent1"/>
+            </a:effectRef>
+            <a:fontRef idx="minor">
+              <a:schemeClr val="lt1"/>
+            </a:fontRef>
+          </p:style>
+          <p:txBody>
+            <a:bodyPr rtlCol="0" anchor="ctr"/>
+            <a:lstStyle/>
+            <a:p>
+              <a:pPr algn="ctr"/>
+              <a:endParaRPr lang="en-IN"/>
+            </a:p>
+          </p:txBody>
+        </p:sp>
+      </p:grpSp>
+      <p:grpSp>
+        <p:nvGrpSpPr>
+          <p:cNvPr id="29" name="Group 28">
+            <a:extLst>
+              <a:ext uri="{FF2B5EF4-FFF2-40B4-BE49-F238E27FC236}">
+                <a16:creationId xmlns:a16="http://schemas.microsoft.com/office/drawing/2014/main" id="{0A429314-EDBD-5414-1BE4-E3E125686D65}"/>
+              </a:ext>
+            </a:extLst>
+          </p:cNvPr>
+          <p:cNvGrpSpPr/>
+          <p:nvPr/>
+        </p:nvGrpSpPr>
+        <p:grpSpPr>
+          <a:xfrm>
+            <a:off x="6184488" y="5095567"/>
+            <a:ext cx="2718618" cy="3028334"/>
+            <a:chOff x="368711" y="1914833"/>
+            <a:chExt cx="2718618" cy="3028334"/>
+          </a:xfrm>
+        </p:grpSpPr>
+        <p:sp>
+          <p:nvSpPr>
+            <p:cNvPr id="30" name="Rectangle 29">
+              <a:extLst>
+                <a:ext uri="{FF2B5EF4-FFF2-40B4-BE49-F238E27FC236}">
+                  <a16:creationId xmlns:a16="http://schemas.microsoft.com/office/drawing/2014/main" id="{BFCDEE0B-6848-F144-3DE9-FFDCB1BA2583}"/>
+                </a:ext>
+              </a:extLst>
+            </p:cNvPr>
+            <p:cNvSpPr/>
+            <p:nvPr/>
+          </p:nvSpPr>
+          <p:spPr>
+            <a:xfrm>
+              <a:off x="368711" y="1914833"/>
+              <a:ext cx="2718618" cy="3028334"/>
+            </a:xfrm>
+            <a:prstGeom prst="rect">
+              <a:avLst/>
+            </a:prstGeom>
+            <a:noFill/>
+            <a:ln w="28575">
+              <a:solidFill>
+                <a:schemeClr val="tx1"/>
+              </a:solidFill>
+            </a:ln>
+          </p:spPr>
+          <p:style>
+            <a:lnRef idx="2">
+              <a:schemeClr val="accent1">
+                <a:shade val="15000"/>
+              </a:schemeClr>
+            </a:lnRef>
+            <a:fillRef idx="1">
+              <a:schemeClr val="accent1"/>
+            </a:fillRef>
+            <a:effectRef idx="0">
+              <a:schemeClr val="accent1"/>
+            </a:effectRef>
+            <a:fontRef idx="minor">
+              <a:schemeClr val="lt1"/>
+            </a:fontRef>
+          </p:style>
+          <p:txBody>
+            <a:bodyPr rtlCol="0" anchor="ctr"/>
+            <a:lstStyle/>
+            <a:p>
+              <a:pPr algn="ctr"/>
+              <a:endParaRPr lang="en-IN"/>
+            </a:p>
+          </p:txBody>
+        </p:sp>
+        <p:sp>
+          <p:nvSpPr>
+            <p:cNvPr id="31" name="Rectangle 30">
+              <a:extLst>
+                <a:ext uri="{FF2B5EF4-FFF2-40B4-BE49-F238E27FC236}">
+                  <a16:creationId xmlns:a16="http://schemas.microsoft.com/office/drawing/2014/main" id="{48CA4F3D-8EAF-973A-7522-65F68BA424CA}"/>
+                </a:ext>
+              </a:extLst>
+            </p:cNvPr>
+            <p:cNvSpPr/>
+            <p:nvPr/>
+          </p:nvSpPr>
+          <p:spPr>
+            <a:xfrm>
+              <a:off x="532729" y="3429000"/>
+              <a:ext cx="2412032" cy="1342102"/>
+            </a:xfrm>
+            <a:prstGeom prst="rect">
+              <a:avLst/>
+            </a:prstGeom>
+          </p:spPr>
+          <p:style>
+            <a:lnRef idx="2">
+              <a:schemeClr val="accent1">
+                <a:shade val="15000"/>
+              </a:schemeClr>
+            </a:lnRef>
+            <a:fillRef idx="1">
+              <a:schemeClr val="accent1"/>
+            </a:fillRef>
+            <a:effectRef idx="0">
+              <a:schemeClr val="accent1"/>
+            </a:effectRef>
+            <a:fontRef idx="minor">
+              <a:schemeClr val="lt1"/>
+            </a:fontRef>
+          </p:style>
+          <p:txBody>
+            <a:bodyPr rtlCol="0" anchor="ctr"/>
+            <a:lstStyle/>
+            <a:p>
+              <a:pPr algn="ctr"/>
+              <a:endParaRPr lang="en-IN" dirty="0"/>
+            </a:p>
+          </p:txBody>
+        </p:sp>
+        <p:sp>
+          <p:nvSpPr>
+            <p:cNvPr id="32" name="Rectangle 31">
+              <a:extLst>
+                <a:ext uri="{FF2B5EF4-FFF2-40B4-BE49-F238E27FC236}">
+                  <a16:creationId xmlns:a16="http://schemas.microsoft.com/office/drawing/2014/main" id="{38BDBE74-2800-47D3-1FDE-77C3D073A276}"/>
+                </a:ext>
+              </a:extLst>
+            </p:cNvPr>
+            <p:cNvSpPr/>
+            <p:nvPr/>
+          </p:nvSpPr>
+          <p:spPr>
+            <a:xfrm>
+              <a:off x="644013" y="4171335"/>
+              <a:ext cx="2133602" cy="442451"/>
+            </a:xfrm>
+            <a:prstGeom prst="rect">
+              <a:avLst/>
+            </a:prstGeom>
+            <a:solidFill>
+              <a:schemeClr val="bg1"/>
+            </a:solidFill>
+          </p:spPr>
+          <p:style>
+            <a:lnRef idx="2">
+              <a:schemeClr val="accent1">
+                <a:shade val="15000"/>
+              </a:schemeClr>
+            </a:lnRef>
+            <a:fillRef idx="1">
+              <a:schemeClr val="accent1"/>
+            </a:fillRef>
+            <a:effectRef idx="0">
+              <a:schemeClr val="accent1"/>
+            </a:effectRef>
+            <a:fontRef idx="minor">
+              <a:schemeClr val="lt1"/>
+            </a:fontRef>
+          </p:style>
+          <p:txBody>
+            <a:bodyPr rtlCol="0" anchor="ctr"/>
+            <a:lstStyle/>
+            <a:p>
+              <a:pPr algn="ctr"/>
+              <a:endParaRPr lang="en-IN"/>
+            </a:p>
+          </p:txBody>
+        </p:sp>
+      </p:grpSp>
+      <p:grpSp>
+        <p:nvGrpSpPr>
+          <p:cNvPr id="33" name="Group 32">
+            <a:extLst>
+              <a:ext uri="{FF2B5EF4-FFF2-40B4-BE49-F238E27FC236}">
+                <a16:creationId xmlns:a16="http://schemas.microsoft.com/office/drawing/2014/main" id="{8C1855E3-BFA1-7D41-5860-EFA182752AE0}"/>
+              </a:ext>
+            </a:extLst>
+          </p:cNvPr>
+          <p:cNvGrpSpPr/>
+          <p:nvPr/>
+        </p:nvGrpSpPr>
+        <p:grpSpPr>
+          <a:xfrm>
+            <a:off x="9203884" y="5095567"/>
+            <a:ext cx="2718618" cy="3028334"/>
+            <a:chOff x="368711" y="1914833"/>
+            <a:chExt cx="2718618" cy="3028334"/>
+          </a:xfrm>
+        </p:grpSpPr>
+        <p:sp>
+          <p:nvSpPr>
+            <p:cNvPr id="34" name="Rectangle 33">
+              <a:extLst>
+                <a:ext uri="{FF2B5EF4-FFF2-40B4-BE49-F238E27FC236}">
+                  <a16:creationId xmlns:a16="http://schemas.microsoft.com/office/drawing/2014/main" id="{B44573BF-3DF6-80C3-28D7-3252CF04D2F0}"/>
+                </a:ext>
+              </a:extLst>
+            </p:cNvPr>
+            <p:cNvSpPr/>
+            <p:nvPr/>
+          </p:nvSpPr>
+          <p:spPr>
+            <a:xfrm>
+              <a:off x="368711" y="1914833"/>
+              <a:ext cx="2718618" cy="3028334"/>
+            </a:xfrm>
+            <a:prstGeom prst="rect">
+              <a:avLst/>
+            </a:prstGeom>
+            <a:noFill/>
+            <a:ln w="28575">
+              <a:solidFill>
+                <a:schemeClr val="tx1"/>
+              </a:solidFill>
+            </a:ln>
+          </p:spPr>
+          <p:style>
+            <a:lnRef idx="2">
+              <a:schemeClr val="accent1">
+                <a:shade val="15000"/>
+              </a:schemeClr>
+            </a:lnRef>
+            <a:fillRef idx="1">
+              <a:schemeClr val="accent1"/>
+            </a:fillRef>
+            <a:effectRef idx="0">
+              <a:schemeClr val="accent1"/>
+            </a:effectRef>
+            <a:fontRef idx="minor">
+              <a:schemeClr val="lt1"/>
+            </a:fontRef>
+          </p:style>
+          <p:txBody>
+            <a:bodyPr rtlCol="0" anchor="ctr"/>
+            <a:lstStyle/>
+            <a:p>
+              <a:pPr algn="ctr"/>
+              <a:endParaRPr lang="en-IN"/>
+            </a:p>
+          </p:txBody>
+        </p:sp>
+        <p:sp>
+          <p:nvSpPr>
+            <p:cNvPr id="35" name="Rectangle 34">
+              <a:extLst>
+                <a:ext uri="{FF2B5EF4-FFF2-40B4-BE49-F238E27FC236}">
+                  <a16:creationId xmlns:a16="http://schemas.microsoft.com/office/drawing/2014/main" id="{AB9C410A-155D-C66E-ED6B-AF1C9EBE993A}"/>
+                </a:ext>
+              </a:extLst>
+            </p:cNvPr>
+            <p:cNvSpPr/>
+            <p:nvPr/>
+          </p:nvSpPr>
+          <p:spPr>
+            <a:xfrm>
+              <a:off x="532729" y="3429000"/>
+              <a:ext cx="2412032" cy="1342102"/>
+            </a:xfrm>
+            <a:prstGeom prst="rect">
+              <a:avLst/>
+            </a:prstGeom>
+          </p:spPr>
+          <p:style>
+            <a:lnRef idx="2">
+              <a:schemeClr val="accent1">
+                <a:shade val="15000"/>
+              </a:schemeClr>
+            </a:lnRef>
+            <a:fillRef idx="1">
+              <a:schemeClr val="accent1"/>
+            </a:fillRef>
+            <a:effectRef idx="0">
+              <a:schemeClr val="accent1"/>
+            </a:effectRef>
+            <a:fontRef idx="minor">
+              <a:schemeClr val="lt1"/>
+            </a:fontRef>
+          </p:style>
+          <p:txBody>
+            <a:bodyPr rtlCol="0" anchor="ctr"/>
+            <a:lstStyle/>
+            <a:p>
+              <a:pPr algn="ctr"/>
+              <a:endParaRPr lang="en-IN"/>
+            </a:p>
+          </p:txBody>
+        </p:sp>
+        <p:sp>
+          <p:nvSpPr>
+            <p:cNvPr id="36" name="Rectangle 35">
+              <a:extLst>
+                <a:ext uri="{FF2B5EF4-FFF2-40B4-BE49-F238E27FC236}">
+                  <a16:creationId xmlns:a16="http://schemas.microsoft.com/office/drawing/2014/main" id="{2A8FE3CF-54C9-394D-B54D-0E1F58F26518}"/>
+                </a:ext>
+              </a:extLst>
+            </p:cNvPr>
+            <p:cNvSpPr/>
+            <p:nvPr/>
+          </p:nvSpPr>
+          <p:spPr>
+            <a:xfrm>
+              <a:off x="644013" y="4171335"/>
+              <a:ext cx="2133602" cy="442451"/>
+            </a:xfrm>
+            <a:prstGeom prst="rect">
+              <a:avLst/>
+            </a:prstGeom>
+            <a:solidFill>
+              <a:schemeClr val="bg1"/>
+            </a:solidFill>
+          </p:spPr>
+          <p:style>
+            <a:lnRef idx="2">
+              <a:schemeClr val="accent1">
+                <a:shade val="15000"/>
+              </a:schemeClr>
+            </a:lnRef>
+            <a:fillRef idx="1">
+              <a:schemeClr val="accent1"/>
+            </a:fillRef>
+            <a:effectRef idx="0">
+              <a:schemeClr val="accent1"/>
+            </a:effectRef>
+            <a:fontRef idx="minor">
+              <a:schemeClr val="lt1"/>
+            </a:fontRef>
+          </p:style>
+          <p:txBody>
+            <a:bodyPr rtlCol="0" anchor="ctr"/>
+            <a:lstStyle/>
+            <a:p>
+              <a:pPr algn="ctr"/>
+              <a:endParaRPr lang="en-IN"/>
+            </a:p>
+          </p:txBody>
+        </p:sp>
+      </p:grpSp>
+      <p:sp>
+        <p:nvSpPr>
+          <p:cNvPr id="37" name="Rectangle 36">
+            <a:extLst>
+              <a:ext uri="{FF2B5EF4-FFF2-40B4-BE49-F238E27FC236}">
+                <a16:creationId xmlns:a16="http://schemas.microsoft.com/office/drawing/2014/main" id="{197DB2A1-6D32-E192-12F9-2F3BD4BA0C54}"/>
+              </a:ext>
+            </a:extLst>
+          </p:cNvPr>
+          <p:cNvSpPr/>
+          <p:nvPr/>
+        </p:nvSpPr>
+        <p:spPr>
+          <a:xfrm>
+            <a:off x="12083845" y="943897"/>
+            <a:ext cx="139435" cy="5914103"/>
+          </a:xfrm>
+          <a:prstGeom prst="rect">
+            <a:avLst/>
+          </a:prstGeom>
+        </p:spPr>
+        <p:style>
+          <a:lnRef idx="2">
+            <a:schemeClr val="accent1">
+              <a:shade val="15000"/>
+            </a:schemeClr>
+          </a:lnRef>
+          <a:fillRef idx="1">
+            <a:schemeClr val="accent1"/>
+          </a:fillRef>
+          <a:effectRef idx="0">
+            <a:schemeClr val="accent1"/>
+          </a:effectRef>
+          <a:fontRef idx="minor">
+            <a:schemeClr val="lt1"/>
+          </a:fontRef>
+        </p:style>
+        <p:txBody>
+          <a:bodyPr rtlCol="0" anchor="ctr"/>
+          <a:lstStyle/>
+          <a:p>
+            <a:pPr algn="ctr"/>
+            <a:endParaRPr lang="en-IN"/>
+          </a:p>
+        </p:txBody>
+      </p:sp>
+      <p:sp>
+        <p:nvSpPr>
+          <p:cNvPr id="38" name="Rectangle 37">
+            <a:extLst>
+              <a:ext uri="{FF2B5EF4-FFF2-40B4-BE49-F238E27FC236}">
+                <a16:creationId xmlns:a16="http://schemas.microsoft.com/office/drawing/2014/main" id="{B1CF6987-DBE5-3C59-8D57-0AE376DC49BB}"/>
+              </a:ext>
+            </a:extLst>
+          </p:cNvPr>
+          <p:cNvSpPr/>
+          <p:nvPr/>
+        </p:nvSpPr>
+        <p:spPr>
+          <a:xfrm>
+            <a:off x="12083845" y="1101213"/>
+            <a:ext cx="139435" cy="813620"/>
+          </a:xfrm>
+          <a:prstGeom prst="rect">
+            <a:avLst/>
+          </a:prstGeom>
+          <a:solidFill>
+            <a:schemeClr val="tx1"/>
+          </a:solidFill>
+        </p:spPr>
+        <p:style>
+          <a:lnRef idx="2">
+            <a:schemeClr val="accent1">
+              <a:shade val="15000"/>
+            </a:schemeClr>
+          </a:lnRef>
+          <a:fillRef idx="1">
+            <a:schemeClr val="accent1"/>
+          </a:fillRef>
+          <a:effectRef idx="0">
+            <a:schemeClr val="accent1"/>
+          </a:effectRef>
+          <a:fontRef idx="minor">
+            <a:schemeClr val="lt1"/>
+          </a:fontRef>
+        </p:style>
+        <p:txBody>
+          <a:bodyPr rtlCol="0" anchor="ctr"/>
+          <a:lstStyle/>
+          <a:p>
+            <a:pPr algn="ctr"/>
+            <a:endParaRPr lang="en-IN"/>
+          </a:p>
+        </p:txBody>
+      </p:sp>
+    </p:spTree>
+    <p:extLst>
+      <p:ext uri="{BB962C8B-B14F-4D97-AF65-F5344CB8AC3E}">
+        <p14:creationId xmlns:p14="http://schemas.microsoft.com/office/powerpoint/2010/main" val="1580848936"/>
+      </p:ext>
+    </p:extLst>
+  </p:cSld>
+  <p:clrMapOvr>
+    <a:masterClrMapping/>
+  </p:clrMapOvr>
+</p:sld>
+</file>
+
 <file path=ppt/theme/theme1.xml><?xml version="1.0" encoding="utf-8"?>
 <a:theme xmlns:a="http://schemas.openxmlformats.org/drawingml/2006/main" name="Office Theme">
   <a:themeElements>
